--- a/lesson24.pptx
+++ b/lesson24.pptx
@@ -806,8 +806,8 @@
   </pc:docChgLst>
   <pc:docChgLst>
     <pc:chgData name="Anatoliy Kigel" userId="7432c6c4687b0a9c" providerId="LiveId" clId="{9A258851-69F7-4D74-BCAF-7A8A05C5F427}"/>
-    <pc:docChg chg="delSld modSld">
-      <pc:chgData name="Anatoliy Kigel" userId="7432c6c4687b0a9c" providerId="LiveId" clId="{9A258851-69F7-4D74-BCAF-7A8A05C5F427}" dt="2021-11-29T21:13:27.358" v="78" actId="207"/>
+    <pc:docChg chg="undo custSel addSld delSld modSld">
+      <pc:chgData name="Anatoliy Kigel" userId="7432c6c4687b0a9c" providerId="LiveId" clId="{9A258851-69F7-4D74-BCAF-7A8A05C5F427}" dt="2021-11-29T21:20:22.739" v="159" actId="20577"/>
       <pc:docMkLst>
         <pc:docMk/>
       </pc:docMkLst>
@@ -865,6 +865,21 @@
         </pc:spChg>
       </pc:sldChg>
       <pc:sldChg chg="modSp mod">
+        <pc:chgData name="Anatoliy Kigel" userId="7432c6c4687b0a9c" providerId="LiveId" clId="{9A258851-69F7-4D74-BCAF-7A8A05C5F427}" dt="2021-11-29T21:20:22.739" v="159" actId="20577"/>
+        <pc:sldMkLst>
+          <pc:docMk/>
+          <pc:sldMk cId="1529336038" sldId="513"/>
+        </pc:sldMkLst>
+        <pc:spChg chg="mod">
+          <ac:chgData name="Anatoliy Kigel" userId="7432c6c4687b0a9c" providerId="LiveId" clId="{9A258851-69F7-4D74-BCAF-7A8A05C5F427}" dt="2021-11-29T21:20:22.739" v="159" actId="20577"/>
+          <ac:spMkLst>
+            <pc:docMk/>
+            <pc:sldMk cId="1529336038" sldId="513"/>
+            <ac:spMk id="4" creationId="{00000000-0000-0000-0000-000000000000}"/>
+          </ac:spMkLst>
+        </pc:spChg>
+      </pc:sldChg>
+      <pc:sldChg chg="modSp mod">
         <pc:chgData name="Anatoliy Kigel" userId="7432c6c4687b0a9c" providerId="LiveId" clId="{9A258851-69F7-4D74-BCAF-7A8A05C5F427}" dt="2021-11-29T21:13:27.358" v="78" actId="207"/>
         <pc:sldMkLst>
           <pc:docMk/>
@@ -886,14 +901,14 @@
           <pc:sldMk cId="246083747" sldId="663"/>
         </pc:sldMkLst>
       </pc:sldChg>
-      <pc:sldChg chg="addSp modSp mod">
-        <pc:chgData name="Anatoliy Kigel" userId="7432c6c4687b0a9c" providerId="LiveId" clId="{9A258851-69F7-4D74-BCAF-7A8A05C5F427}" dt="2021-11-29T21:11:15.682" v="45" actId="115"/>
+      <pc:sldChg chg="addSp delSp modSp mod">
+        <pc:chgData name="Anatoliy Kigel" userId="7432c6c4687b0a9c" providerId="LiveId" clId="{9A258851-69F7-4D74-BCAF-7A8A05C5F427}" dt="2021-11-29T21:19:31.801" v="130" actId="1036"/>
         <pc:sldMkLst>
           <pc:docMk/>
           <pc:sldMk cId="1990560439" sldId="664"/>
         </pc:sldMkLst>
         <pc:spChg chg="add mod">
-          <ac:chgData name="Anatoliy Kigel" userId="7432c6c4687b0a9c" providerId="LiveId" clId="{9A258851-69F7-4D74-BCAF-7A8A05C5F427}" dt="2021-11-29T21:10:58.716" v="42" actId="1036"/>
+          <ac:chgData name="Anatoliy Kigel" userId="7432c6c4687b0a9c" providerId="LiveId" clId="{9A258851-69F7-4D74-BCAF-7A8A05C5F427}" dt="2021-11-29T21:18:44.536" v="87" actId="1035"/>
           <ac:spMkLst>
             <pc:docMk/>
             <pc:sldMk cId="1990560439" sldId="664"/>
@@ -901,7 +916,15 @@
           </ac:spMkLst>
         </pc:spChg>
         <pc:spChg chg="mod">
-          <ac:chgData name="Anatoliy Kigel" userId="7432c6c4687b0a9c" providerId="LiveId" clId="{9A258851-69F7-4D74-BCAF-7A8A05C5F427}" dt="2021-11-29T21:11:07.226" v="44" actId="14100"/>
+          <ac:chgData name="Anatoliy Kigel" userId="7432c6c4687b0a9c" providerId="LiveId" clId="{9A258851-69F7-4D74-BCAF-7A8A05C5F427}" dt="2021-11-29T21:18:46.755" v="88" actId="1036"/>
+          <ac:spMkLst>
+            <pc:docMk/>
+            <pc:sldMk cId="1990560439" sldId="664"/>
+            <ac:spMk id="3" creationId="{00000000-0000-0000-0000-000000000000}"/>
+          </ac:spMkLst>
+        </pc:spChg>
+        <pc:spChg chg="mod">
+          <ac:chgData name="Anatoliy Kigel" userId="7432c6c4687b0a9c" providerId="LiveId" clId="{9A258851-69F7-4D74-BCAF-7A8A05C5F427}" dt="2021-11-29T21:18:44.536" v="87" actId="1035"/>
           <ac:spMkLst>
             <pc:docMk/>
             <pc:sldMk cId="1990560439" sldId="664"/>
@@ -909,21 +932,36 @@
           </ac:spMkLst>
         </pc:spChg>
         <pc:spChg chg="mod">
-          <ac:chgData name="Anatoliy Kigel" userId="7432c6c4687b0a9c" providerId="LiveId" clId="{9A258851-69F7-4D74-BCAF-7A8A05C5F427}" dt="2021-11-29T21:11:15.682" v="45" actId="115"/>
+          <ac:chgData name="Anatoliy Kigel" userId="7432c6c4687b0a9c" providerId="LiveId" clId="{9A258851-69F7-4D74-BCAF-7A8A05C5F427}" dt="2021-11-29T21:18:44.536" v="87" actId="1035"/>
           <ac:spMkLst>
             <pc:docMk/>
             <pc:sldMk cId="1990560439" sldId="664"/>
             <ac:spMk id="8" creationId="{00000000-0000-0000-0000-000000000000}"/>
           </ac:spMkLst>
         </pc:spChg>
+        <pc:spChg chg="del">
+          <ac:chgData name="Anatoliy Kigel" userId="7432c6c4687b0a9c" providerId="LiveId" clId="{9A258851-69F7-4D74-BCAF-7A8A05C5F427}" dt="2021-11-29T21:18:39.567" v="79" actId="478"/>
+          <ac:spMkLst>
+            <pc:docMk/>
+            <pc:sldMk cId="1990560439" sldId="664"/>
+            <ac:spMk id="9" creationId="{00000000-0000-0000-0000-000000000000}"/>
+          </ac:spMkLst>
+        </pc:spChg>
         <pc:spChg chg="mod">
-          <ac:chgData name="Anatoliy Kigel" userId="7432c6c4687b0a9c" providerId="LiveId" clId="{9A258851-69F7-4D74-BCAF-7A8A05C5F427}" dt="2021-11-29T21:10:21.336" v="29" actId="14100"/>
+          <ac:chgData name="Anatoliy Kigel" userId="7432c6c4687b0a9c" providerId="LiveId" clId="{9A258851-69F7-4D74-BCAF-7A8A05C5F427}" dt="2021-11-29T21:19:31.801" v="130" actId="1036"/>
           <ac:spMkLst>
             <pc:docMk/>
             <pc:sldMk cId="1990560439" sldId="664"/>
             <ac:spMk id="10" creationId="{92F7BEB1-21E7-48E5-AD65-8A929A688481}"/>
           </ac:spMkLst>
         </pc:spChg>
+      </pc:sldChg>
+      <pc:sldChg chg="add del">
+        <pc:chgData name="Anatoliy Kigel" userId="7432c6c4687b0a9c" providerId="LiveId" clId="{9A258851-69F7-4D74-BCAF-7A8A05C5F427}" dt="2021-11-29T21:18:52.069" v="90" actId="2890"/>
+        <pc:sldMkLst>
+          <pc:docMk/>
+          <pc:sldMk cId="3364939911" sldId="665"/>
+        </pc:sldMkLst>
       </pc:sldChg>
     </pc:docChg>
   </pc:docChgLst>
@@ -5503,7 +5541,7 @@
         </p:nvSpPr>
         <p:spPr>
           <a:xfrm>
-            <a:off x="0" y="427311"/>
+            <a:off x="0" y="499319"/>
             <a:ext cx="12192000" cy="769441"/>
           </a:xfrm>
           <a:prstGeom prst="rect">
@@ -5534,7 +5572,7 @@
         </p:nvSpPr>
         <p:spPr>
           <a:xfrm>
-            <a:off x="0" y="4520531"/>
+            <a:off x="0" y="4947726"/>
             <a:ext cx="12192000" cy="1015663"/>
           </a:xfrm>
           <a:prstGeom prst="rect">
@@ -5573,7 +5611,7 @@
         </p:nvSpPr>
         <p:spPr>
           <a:xfrm>
-            <a:off x="18011" y="2984675"/>
+            <a:off x="18011" y="3411870"/>
             <a:ext cx="12192000" cy="1015663"/>
           </a:xfrm>
           <a:prstGeom prst="rect">
@@ -5633,66 +5671,6 @@
                 <a:srgbClr val="00B0F0"/>
               </a:solidFill>
             </a:endParaRPr>
-          </a:p>
-        </p:txBody>
-      </p:sp>
-      <p:sp>
-        <p:nvSpPr>
-          <p:cNvPr id="9" name="Прямоугольник 8"/>
-          <p:cNvSpPr/>
-          <p:nvPr/>
-        </p:nvSpPr>
-        <p:spPr>
-          <a:xfrm>
-            <a:off x="0" y="5622339"/>
-            <a:ext cx="12192000" cy="830997"/>
-          </a:xfrm>
-          <a:prstGeom prst="rect">
-            <a:avLst/>
-          </a:prstGeom>
-        </p:spPr>
-        <p:txBody>
-          <a:bodyPr wrap="square">
-            <a:spAutoFit/>
-          </a:bodyPr>
-          <a:lstStyle/>
-          <a:p>
-            <a:pPr algn="ctr"/>
-            <a:r>
-              <a:rPr lang="ru-RU" sz="2400" dirty="0"/>
-              <a:t>Меньше деталей, </a:t>
-            </a:r>
-            <a:r>
-              <a:rPr lang="ru-RU" sz="2400" b="1" i="1" dirty="0"/>
-              <a:t>не обсуждать конкретные технологии</a:t>
-            </a:r>
-            <a:r>
-              <a:rPr lang="ru-RU" sz="2400" dirty="0"/>
-              <a:t>,</a:t>
-            </a:r>
-            <a:br>
-              <a:rPr lang="ru-RU" sz="2400" dirty="0"/>
-            </a:br>
-            <a:r>
-              <a:rPr lang="ru-RU" sz="2400" dirty="0"/>
-              <a:t> больше исследования </a:t>
-            </a:r>
-            <a:r>
-              <a:rPr lang="ru-RU" sz="2400" b="1" dirty="0"/>
-              <a:t>предметной области </a:t>
-            </a:r>
-            <a:r>
-              <a:rPr lang="ru-RU" sz="2400" dirty="0"/>
-              <a:t>и </a:t>
-            </a:r>
-            <a:r>
-              <a:rPr lang="ru-RU" sz="2400" b="1" dirty="0"/>
-              <a:t>аналитики</a:t>
-            </a:r>
-            <a:r>
-              <a:rPr lang="ru-RU" sz="2400" dirty="0"/>
-              <a:t>.</a:t>
-            </a:r>
           </a:p>
         </p:txBody>
       </p:sp>
@@ -5874,7 +5852,7 @@
         </p:nvSpPr>
         <p:spPr>
           <a:xfrm>
-            <a:off x="0" y="1633653"/>
+            <a:off x="0" y="2053297"/>
             <a:ext cx="12192000" cy="1015663"/>
           </a:xfrm>
           <a:prstGeom prst="rect">
@@ -5923,7 +5901,7 @@
         </p:nvSpPr>
         <p:spPr>
           <a:xfrm rot="5400000">
-            <a:off x="5859028" y="-819473"/>
+            <a:off x="5859028" y="-392278"/>
             <a:ext cx="432048" cy="10225136"/>
           </a:xfrm>
           <a:prstGeom prst="rightBrace">
@@ -9058,7 +9036,7 @@
         <p:spPr>
           <a:xfrm>
             <a:off x="2063552" y="2420888"/>
-            <a:ext cx="9217024" cy="3600986"/>
+            <a:ext cx="9217024" cy="2123658"/>
           </a:xfrm>
           <a:prstGeom prst="rect">
             <a:avLst/>
@@ -9122,64 +9100,8 @@
               <a:buChar char="•"/>
             </a:pPr>
             <a:r>
-              <a:rPr lang="ru-RU" sz="3200" dirty="0"/>
-              <a:t> сбор и анализ </a:t>
-            </a:r>
-            <a:r>
-              <a:rPr lang="ru-RU" sz="3200" b="1" dirty="0"/>
-              <a:t>статистики</a:t>
-            </a:r>
-            <a:r>
-              <a:rPr lang="ru-RU" sz="3200" dirty="0"/>
-              <a:t>;</a:t>
-            </a:r>
-          </a:p>
-          <a:p>
-            <a:pPr marL="342900" indent="-342900" algn="just">
-              <a:buFont typeface="Arial" panose="020B0604020202020204" pitchFamily="34" charset="0"/>
-              <a:buChar char="•"/>
-            </a:pPr>
-            <a:r>
-              <a:rPr lang="ru-RU" sz="3200" dirty="0"/>
-              <a:t> переделки на сайте (</a:t>
-            </a:r>
-            <a:r>
-              <a:rPr lang="ru-RU" sz="3200" b="1" dirty="0"/>
-              <a:t>крупные</a:t>
-            </a:r>
-            <a:r>
-              <a:rPr lang="ru-RU" sz="3200" dirty="0"/>
-              <a:t>);</a:t>
-            </a:r>
-            <a:endParaRPr lang="en-US" sz="3200" dirty="0"/>
-          </a:p>
-          <a:p>
-            <a:pPr marL="342900" indent="-342900" algn="just">
-              <a:buFont typeface="Arial" panose="020B0604020202020204" pitchFamily="34" charset="0"/>
-              <a:buChar char="•"/>
-            </a:pPr>
-            <a:r>
-              <a:rPr lang="en-US" sz="3200" dirty="0"/>
-              <a:t> </a:t>
-            </a:r>
-            <a:r>
-              <a:rPr lang="ru-RU" sz="3200" b="1" dirty="0"/>
-              <a:t>рекламное сопровождение</a:t>
-            </a:r>
-            <a:r>
-              <a:rPr lang="ru-RU" sz="3200" dirty="0"/>
-              <a:t>;</a:t>
-            </a:r>
-          </a:p>
-          <a:p>
-            <a:pPr algn="just"/>
-            <a:r>
-              <a:rPr lang="ru-RU" sz="3200" dirty="0"/>
-              <a:t>     </a:t>
-            </a:r>
-            <a:r>
               <a:rPr lang="ru-RU" sz="3600" b="1" dirty="0"/>
-              <a:t>…</a:t>
+              <a:t> и т.д. и т.п.</a:t>
             </a:r>
           </a:p>
         </p:txBody>
